--- a/dsm2/presentations/b3_input_system_layering.pptx
+++ b/dsm2/presentations/b3_input_system_layering.pptx
@@ -4239,30 +4239,50 @@
           <a:lstStyle/>
           <a:p>
             <a:r>
-              <a:rPr lang="en-US" smtClean="0"/>
+              <a:rPr lang="en-US" dirty="0" smtClean="0"/>
               <a:t>DSM2 Training</a:t>
             </a:r>
           </a:p>
           <a:p>
             <a:r>
-              <a:rPr lang="en-US" smtClean="0"/>
-              <a:t>September 15-17, 2009</a:t>
-            </a:r>
-          </a:p>
-          <a:p>
-            <a:endParaRPr lang="en-US" smtClean="0"/>
+              <a:rPr lang="en-US" dirty="0" smtClean="0"/>
+              <a:t>September, </a:t>
+            </a:r>
+            <a:r>
+              <a:rPr lang="en-US" dirty="0" smtClean="0"/>
+              <a:t>2009</a:t>
+            </a:r>
+          </a:p>
+          <a:p>
+            <a:endParaRPr lang="en-US" dirty="0" smtClean="0"/>
           </a:p>
           <a:p>
             <a:pPr algn="l"/>
             <a:r>
-              <a:rPr lang="en-US" smtClean="0">
+              <a:rPr lang="en-US" dirty="0" smtClean="0">
                 <a:solidFill>
                   <a:srgbClr val="6666FF"/>
                 </a:solidFill>
               </a:rPr>
-              <a:t>	Eli Ateljevich, PhD</a:t>
-            </a:r>
-            <a:endParaRPr lang="en-US" sz="2400" smtClean="0">
+              <a:t>	Eli </a:t>
+            </a:r>
+            <a:r>
+              <a:rPr lang="en-US" dirty="0" err="1" smtClean="0">
+                <a:solidFill>
+                  <a:srgbClr val="6666FF"/>
+                </a:solidFill>
+              </a:rPr>
+              <a:t>Ateljevich</a:t>
+            </a:r>
+            <a:r>
+              <a:rPr lang="en-US" dirty="0" smtClean="0">
+                <a:solidFill>
+                  <a:srgbClr val="6666FF"/>
+                </a:solidFill>
+              </a:rPr>
+              <a:t>, PhD</a:t>
+            </a:r>
+            <a:endParaRPr lang="en-US" sz="2400" dirty="0" smtClean="0">
               <a:solidFill>
                 <a:srgbClr val="6666FF"/>
               </a:solidFill>
@@ -4271,7 +4291,7 @@
           <a:p>
             <a:pPr algn="l"/>
             <a:r>
-              <a:rPr lang="en-US" sz="2400" smtClean="0">
+              <a:rPr lang="en-US" sz="2400" dirty="0" smtClean="0">
                 <a:solidFill>
                   <a:srgbClr val="6666FF"/>
                 </a:solidFill>
@@ -4282,7 +4302,7 @@
           <a:p>
             <a:pPr algn="l"/>
             <a:r>
-              <a:rPr lang="en-US" sz="2400" smtClean="0">
+              <a:rPr lang="en-US" sz="2400" dirty="0" smtClean="0">
                 <a:solidFill>
                   <a:srgbClr val="6666FF"/>
                 </a:solidFill>
@@ -4292,7 +4312,7 @@
           </a:p>
           <a:p>
             <a:pPr algn="l"/>
-            <a:endParaRPr lang="en-US" sz="2400" smtClean="0">
+            <a:endParaRPr lang="en-US" sz="2400" dirty="0" smtClean="0">
               <a:solidFill>
                 <a:srgbClr val="6666FF"/>
               </a:solidFill>
@@ -4300,7 +4320,7 @@
           </a:p>
           <a:p>
             <a:pPr algn="l"/>
-            <a:endParaRPr lang="en-US" sz="2400" smtClean="0">
+            <a:endParaRPr lang="en-US" sz="2400" dirty="0" smtClean="0">
               <a:solidFill>
                 <a:srgbClr val="6666FF"/>
               </a:solidFill>
@@ -9030,21 +9050,8 @@
           <a:p>
             <a:r>
               <a:rPr lang="en-US" dirty="0" smtClean="0"/>
-              <a:t>QA/QC: </a:t>
-            </a:r>
-            <a:r>
-              <a:rPr lang="en-US" dirty="0" smtClean="0"/>
-              <a:t>combined view </a:t>
-            </a:r>
-            <a:r>
-              <a:rPr lang="en-US" dirty="0" smtClean="0"/>
-              <a:t>of multiple </a:t>
-            </a:r>
-            <a:r>
-              <a:rPr lang="en-US" dirty="0" smtClean="0"/>
-              <a:t>input files</a:t>
-            </a:r>
-            <a:endParaRPr lang="en-US" dirty="0" smtClean="0"/>
+              <a:t>QA/QC: combined view of multiple input files</a:t>
+            </a:r>
           </a:p>
           <a:p>
             <a:r>
